--- a/フレームワークの使い方.pptx
+++ b/フレームワークの使い方.pptx
@@ -14,6 +14,7 @@
     <p:sldId id="262" r:id="rId8"/>
     <p:sldId id="263" r:id="rId9"/>
     <p:sldId id="264" r:id="rId10"/>
+    <p:sldId id="265" r:id="rId11"/>
   </p:sldIdLst>
   <p:sldSz cx="12192000" cy="6858000"/>
   <p:notesSz cx="6858000" cy="9144000"/>
@@ -267,7 +268,7 @@
           <a:p>
             <a:fld id="{AD6F7527-E702-724D-AC35-4C3062392F64}" type="datetimeFigureOut">
               <a:rPr kumimoji="1" lang="ja-JP" altLang="en-US" smtClean="0"/>
-              <a:t>2022/1/12</a:t>
+              <a:t>2022/1/13</a:t>
             </a:fld>
             <a:endParaRPr kumimoji="1" lang="ja-JP" altLang="en-US"/>
           </a:p>
@@ -472,7 +473,7 @@
           <a:p>
             <a:fld id="{AD6F7527-E702-724D-AC35-4C3062392F64}" type="datetimeFigureOut">
               <a:rPr kumimoji="1" lang="ja-JP" altLang="en-US" smtClean="0"/>
-              <a:t>2022/1/12</a:t>
+              <a:t>2022/1/13</a:t>
             </a:fld>
             <a:endParaRPr kumimoji="1" lang="ja-JP" altLang="en-US"/>
           </a:p>
@@ -687,7 +688,7 @@
           <a:p>
             <a:fld id="{AD6F7527-E702-724D-AC35-4C3062392F64}" type="datetimeFigureOut">
               <a:rPr kumimoji="1" lang="ja-JP" altLang="en-US" smtClean="0"/>
-              <a:t>2022/1/12</a:t>
+              <a:t>2022/1/13</a:t>
             </a:fld>
             <a:endParaRPr kumimoji="1" lang="ja-JP" altLang="en-US"/>
           </a:p>
@@ -892,7 +893,7 @@
           <a:p>
             <a:fld id="{AD6F7527-E702-724D-AC35-4C3062392F64}" type="datetimeFigureOut">
               <a:rPr kumimoji="1" lang="ja-JP" altLang="en-US" smtClean="0"/>
-              <a:t>2022/1/12</a:t>
+              <a:t>2022/1/13</a:t>
             </a:fld>
             <a:endParaRPr kumimoji="1" lang="ja-JP" altLang="en-US"/>
           </a:p>
@@ -1202,7 +1203,7 @@
           <a:p>
             <a:fld id="{AD6F7527-E702-724D-AC35-4C3062392F64}" type="datetimeFigureOut">
               <a:rPr kumimoji="1" lang="ja-JP" altLang="en-US" smtClean="0"/>
-              <a:t>2022/1/12</a:t>
+              <a:t>2022/1/13</a:t>
             </a:fld>
             <a:endParaRPr kumimoji="1" lang="ja-JP" altLang="en-US"/>
           </a:p>
@@ -1481,7 +1482,7 @@
           <a:p>
             <a:fld id="{AD6F7527-E702-724D-AC35-4C3062392F64}" type="datetimeFigureOut">
               <a:rPr kumimoji="1" lang="ja-JP" altLang="en-US" smtClean="0"/>
-              <a:t>2022/1/12</a:t>
+              <a:t>2022/1/13</a:t>
             </a:fld>
             <a:endParaRPr kumimoji="1" lang="ja-JP" altLang="en-US"/>
           </a:p>
@@ -1977,7 +1978,7 @@
           <a:p>
             <a:fld id="{AD6F7527-E702-724D-AC35-4C3062392F64}" type="datetimeFigureOut">
               <a:rPr kumimoji="1" lang="ja-JP" altLang="en-US" smtClean="0"/>
-              <a:t>2022/1/12</a:t>
+              <a:t>2022/1/13</a:t>
             </a:fld>
             <a:endParaRPr kumimoji="1" lang="ja-JP" altLang="en-US"/>
           </a:p>
@@ -2118,7 +2119,7 @@
           <a:p>
             <a:fld id="{AD6F7527-E702-724D-AC35-4C3062392F64}" type="datetimeFigureOut">
               <a:rPr kumimoji="1" lang="ja-JP" altLang="en-US" smtClean="0"/>
-              <a:t>2022/1/12</a:t>
+              <a:t>2022/1/13</a:t>
             </a:fld>
             <a:endParaRPr kumimoji="1" lang="ja-JP" altLang="en-US"/>
           </a:p>
@@ -2231,7 +2232,7 @@
           <a:p>
             <a:fld id="{AD6F7527-E702-724D-AC35-4C3062392F64}" type="datetimeFigureOut">
               <a:rPr kumimoji="1" lang="ja-JP" altLang="en-US" smtClean="0"/>
-              <a:t>2022/1/12</a:t>
+              <a:t>2022/1/13</a:t>
             </a:fld>
             <a:endParaRPr kumimoji="1" lang="ja-JP" altLang="en-US"/>
           </a:p>
@@ -2584,7 +2585,7 @@
           <a:p>
             <a:fld id="{AD6F7527-E702-724D-AC35-4C3062392F64}" type="datetimeFigureOut">
               <a:rPr kumimoji="1" lang="ja-JP" altLang="en-US" smtClean="0"/>
-              <a:t>2022/1/12</a:t>
+              <a:t>2022/1/13</a:t>
             </a:fld>
             <a:endParaRPr kumimoji="1" lang="ja-JP" altLang="en-US"/>
           </a:p>
@@ -2907,7 +2908,7 @@
           <a:p>
             <a:fld id="{AD6F7527-E702-724D-AC35-4C3062392F64}" type="datetimeFigureOut">
               <a:rPr kumimoji="1" lang="ja-JP" altLang="en-US" smtClean="0"/>
-              <a:t>2022/1/12</a:t>
+              <a:t>2022/1/13</a:t>
             </a:fld>
             <a:endParaRPr kumimoji="1" lang="ja-JP" altLang="en-US"/>
           </a:p>
@@ -3155,7 +3156,7 @@
           <a:p>
             <a:fld id="{AD6F7527-E702-724D-AC35-4C3062392F64}" type="datetimeFigureOut">
               <a:rPr kumimoji="1" lang="ja-JP" altLang="en-US" smtClean="0"/>
-              <a:t>2022/1/12</a:t>
+              <a:t>2022/1/13</a:t>
             </a:fld>
             <a:endParaRPr kumimoji="1" lang="ja-JP" altLang="en-US"/>
           </a:p>
@@ -3641,6 +3642,99 @@
 </p:sld>
 </file>
 
+<file path=ppt/slides/slide10.xml><?xml version="1.0" encoding="utf-8"?>
+<p:sld xmlns:a="http://schemas.openxmlformats.org/drawingml/2006/main" xmlns:r="http://schemas.openxmlformats.org/officeDocument/2006/relationships" xmlns:p="http://schemas.openxmlformats.org/presentationml/2006/main">
+  <p:cSld>
+    <p:spTree>
+      <p:nvGrpSpPr>
+        <p:cNvPr id="1" name=""/>
+        <p:cNvGrpSpPr/>
+        <p:nvPr/>
+      </p:nvGrpSpPr>
+      <p:grpSpPr>
+        <a:xfrm>
+          <a:off x="0" y="0"/>
+          <a:ext cx="0" cy="0"/>
+          <a:chOff x="0" y="0"/>
+          <a:chExt cx="0" cy="0"/>
+        </a:xfrm>
+      </p:grpSpPr>
+      <p:sp>
+        <p:nvSpPr>
+          <p:cNvPr id="2" name="テキスト ボックス 1">
+            <a:extLst>
+              <a:ext uri="{FF2B5EF4-FFF2-40B4-BE49-F238E27FC236}">
+                <a16:creationId xmlns:a16="http://schemas.microsoft.com/office/drawing/2014/main" id="{25759522-FAAF-5C40-B1D3-064AD0149E8E}"/>
+              </a:ext>
+            </a:extLst>
+          </p:cNvPr>
+          <p:cNvSpPr txBox="1"/>
+          <p:nvPr/>
+        </p:nvSpPr>
+        <p:spPr>
+          <a:xfrm>
+            <a:off x="847023" y="567891"/>
+            <a:ext cx="4957011" cy="1754326"/>
+          </a:xfrm>
+          <a:prstGeom prst="rect">
+            <a:avLst/>
+          </a:prstGeom>
+          <a:noFill/>
+        </p:spPr>
+        <p:txBody>
+          <a:bodyPr wrap="square" rtlCol="0">
+            <a:spAutoFit/>
+          </a:bodyPr>
+          <a:lstStyle/>
+          <a:p>
+            <a:r>
+              <a:rPr kumimoji="1" lang="en-US" altLang="ja-JP" dirty="0"/>
+              <a:t>cd ()/SS3</a:t>
+            </a:r>
+          </a:p>
+          <a:p>
+            <a:r>
+              <a:rPr kumimoji="1" lang="en-US" altLang="ja-JP" dirty="0"/>
+              <a:t>git add .</a:t>
+            </a:r>
+          </a:p>
+          <a:p>
+            <a:r>
+              <a:rPr kumimoji="1" lang="en-US" altLang="ja-JP" dirty="0"/>
+              <a:t>git commit –m “~”</a:t>
+            </a:r>
+          </a:p>
+          <a:p>
+            <a:r>
+              <a:rPr lang="en-US" altLang="ja-JP" dirty="0"/>
+              <a:t>git push origin main</a:t>
+            </a:r>
+          </a:p>
+          <a:p>
+            <a:endParaRPr kumimoji="1" lang="en-US" altLang="ja-JP" dirty="0"/>
+          </a:p>
+          <a:p>
+            <a:r>
+              <a:rPr lang="en-US" altLang="ja-JP"/>
+              <a:t>git pull</a:t>
+            </a:r>
+            <a:endParaRPr kumimoji="1" lang="ja-JP" altLang="en-US"/>
+          </a:p>
+        </p:txBody>
+      </p:sp>
+    </p:spTree>
+    <p:extLst>
+      <p:ext uri="{BB962C8B-B14F-4D97-AF65-F5344CB8AC3E}">
+        <p14:creationId xmlns:p14="http://schemas.microsoft.com/office/powerpoint/2010/main" val="1142474713"/>
+      </p:ext>
+    </p:extLst>
+  </p:cSld>
+  <p:clrMapOvr>
+    <a:masterClrMapping/>
+  </p:clrMapOvr>
+</p:sld>
+</file>
+
 <file path=ppt/slides/slide2.xml><?xml version="1.0" encoding="utf-8"?>
 <p:sld xmlns:a="http://schemas.openxmlformats.org/drawingml/2006/main" xmlns:r="http://schemas.openxmlformats.org/officeDocument/2006/relationships" xmlns:p="http://schemas.openxmlformats.org/presentationml/2006/main">
   <p:cSld>

--- a/フレームワークの使い方.pptx
+++ b/フレームワークの使い方.pptx
@@ -14,7 +14,6 @@
     <p:sldId id="262" r:id="rId8"/>
     <p:sldId id="263" r:id="rId9"/>
     <p:sldId id="264" r:id="rId10"/>
-    <p:sldId id="265" r:id="rId11"/>
   </p:sldIdLst>
   <p:sldSz cx="12192000" cy="6858000"/>
   <p:notesSz cx="6858000" cy="9144000"/>
@@ -121,6 +120,35 @@
 </p:presentation>
 </file>
 
+<file path=ppt/changesInfos/changesInfo1.xml><?xml version="1.0" encoding="utf-8"?>
+<pc:chgInfo xmlns:a="http://schemas.openxmlformats.org/drawingml/2006/main" xmlns:r="http://schemas.openxmlformats.org/officeDocument/2006/relationships" xmlns:ac="http://schemas.microsoft.com/office/drawing/2013/main/command" xmlns:pc="http://schemas.microsoft.com/office/powerpoint/2013/main/command">
+  <pc:docChgLst>
+    <pc:chgData name="木村 陽太" userId="154c42a8c65c3d8c" providerId="LiveId" clId="{AC16F7D8-AC93-4FC9-A9A7-003D63D20900}"/>
+    <pc:docChg chg="custSel delSld modSld">
+      <pc:chgData name="木村 陽太" userId="154c42a8c65c3d8c" providerId="LiveId" clId="{AC16F7D8-AC93-4FC9-A9A7-003D63D20900}" dt="2022-01-16T14:16:12.345" v="37" actId="2696"/>
+      <pc:docMkLst>
+        <pc:docMk/>
+      </pc:docMkLst>
+      <pc:sldChg chg="delSp modSp del mod">
+        <pc:chgData name="木村 陽太" userId="154c42a8c65c3d8c" providerId="LiveId" clId="{AC16F7D8-AC93-4FC9-A9A7-003D63D20900}" dt="2022-01-16T14:16:12.345" v="37" actId="2696"/>
+        <pc:sldMkLst>
+          <pc:docMk/>
+          <pc:sldMk cId="1142474713" sldId="265"/>
+        </pc:sldMkLst>
+        <pc:spChg chg="del mod">
+          <ac:chgData name="木村 陽太" userId="154c42a8c65c3d8c" providerId="LiveId" clId="{AC16F7D8-AC93-4FC9-A9A7-003D63D20900}" dt="2022-01-16T14:13:00.408" v="36" actId="21"/>
+          <ac:spMkLst>
+            <pc:docMk/>
+            <pc:sldMk cId="1142474713" sldId="265"/>
+            <ac:spMk id="2" creationId="{25759522-FAAF-5C40-B1D3-064AD0149E8E}"/>
+          </ac:spMkLst>
+        </pc:spChg>
+      </pc:sldChg>
+    </pc:docChg>
+  </pc:docChgLst>
+</pc:chgInfo>
+</file>
+
 <file path=ppt/slideLayouts/slideLayout1.xml><?xml version="1.0" encoding="utf-8"?>
 <p:sldLayout xmlns:a="http://schemas.openxmlformats.org/drawingml/2006/main" xmlns:r="http://schemas.openxmlformats.org/officeDocument/2006/relationships" xmlns:p="http://schemas.openxmlformats.org/presentationml/2006/main" type="title" preserve="1">
   <p:cSld name="タイトル スライド">
@@ -268,7 +296,7 @@
           <a:p>
             <a:fld id="{AD6F7527-E702-724D-AC35-4C3062392F64}" type="datetimeFigureOut">
               <a:rPr kumimoji="1" lang="ja-JP" altLang="en-US" smtClean="0"/>
-              <a:t>2022/1/13</a:t>
+              <a:t>2022/1/16</a:t>
             </a:fld>
             <a:endParaRPr kumimoji="1" lang="ja-JP" altLang="en-US"/>
           </a:p>
@@ -473,7 +501,7 @@
           <a:p>
             <a:fld id="{AD6F7527-E702-724D-AC35-4C3062392F64}" type="datetimeFigureOut">
               <a:rPr kumimoji="1" lang="ja-JP" altLang="en-US" smtClean="0"/>
-              <a:t>2022/1/13</a:t>
+              <a:t>2022/1/16</a:t>
             </a:fld>
             <a:endParaRPr kumimoji="1" lang="ja-JP" altLang="en-US"/>
           </a:p>
@@ -688,7 +716,7 @@
           <a:p>
             <a:fld id="{AD6F7527-E702-724D-AC35-4C3062392F64}" type="datetimeFigureOut">
               <a:rPr kumimoji="1" lang="ja-JP" altLang="en-US" smtClean="0"/>
-              <a:t>2022/1/13</a:t>
+              <a:t>2022/1/16</a:t>
             </a:fld>
             <a:endParaRPr kumimoji="1" lang="ja-JP" altLang="en-US"/>
           </a:p>
@@ -893,7 +921,7 @@
           <a:p>
             <a:fld id="{AD6F7527-E702-724D-AC35-4C3062392F64}" type="datetimeFigureOut">
               <a:rPr kumimoji="1" lang="ja-JP" altLang="en-US" smtClean="0"/>
-              <a:t>2022/1/13</a:t>
+              <a:t>2022/1/16</a:t>
             </a:fld>
             <a:endParaRPr kumimoji="1" lang="ja-JP" altLang="en-US"/>
           </a:p>
@@ -1203,7 +1231,7 @@
           <a:p>
             <a:fld id="{AD6F7527-E702-724D-AC35-4C3062392F64}" type="datetimeFigureOut">
               <a:rPr kumimoji="1" lang="ja-JP" altLang="en-US" smtClean="0"/>
-              <a:t>2022/1/13</a:t>
+              <a:t>2022/1/16</a:t>
             </a:fld>
             <a:endParaRPr kumimoji="1" lang="ja-JP" altLang="en-US"/>
           </a:p>
@@ -1482,7 +1510,7 @@
           <a:p>
             <a:fld id="{AD6F7527-E702-724D-AC35-4C3062392F64}" type="datetimeFigureOut">
               <a:rPr kumimoji="1" lang="ja-JP" altLang="en-US" smtClean="0"/>
-              <a:t>2022/1/13</a:t>
+              <a:t>2022/1/16</a:t>
             </a:fld>
             <a:endParaRPr kumimoji="1" lang="ja-JP" altLang="en-US"/>
           </a:p>
@@ -1978,7 +2006,7 @@
           <a:p>
             <a:fld id="{AD6F7527-E702-724D-AC35-4C3062392F64}" type="datetimeFigureOut">
               <a:rPr kumimoji="1" lang="ja-JP" altLang="en-US" smtClean="0"/>
-              <a:t>2022/1/13</a:t>
+              <a:t>2022/1/16</a:t>
             </a:fld>
             <a:endParaRPr kumimoji="1" lang="ja-JP" altLang="en-US"/>
           </a:p>
@@ -2119,7 +2147,7 @@
           <a:p>
             <a:fld id="{AD6F7527-E702-724D-AC35-4C3062392F64}" type="datetimeFigureOut">
               <a:rPr kumimoji="1" lang="ja-JP" altLang="en-US" smtClean="0"/>
-              <a:t>2022/1/13</a:t>
+              <a:t>2022/1/16</a:t>
             </a:fld>
             <a:endParaRPr kumimoji="1" lang="ja-JP" altLang="en-US"/>
           </a:p>
@@ -2232,7 +2260,7 @@
           <a:p>
             <a:fld id="{AD6F7527-E702-724D-AC35-4C3062392F64}" type="datetimeFigureOut">
               <a:rPr kumimoji="1" lang="ja-JP" altLang="en-US" smtClean="0"/>
-              <a:t>2022/1/13</a:t>
+              <a:t>2022/1/16</a:t>
             </a:fld>
             <a:endParaRPr kumimoji="1" lang="ja-JP" altLang="en-US"/>
           </a:p>
@@ -2585,7 +2613,7 @@
           <a:p>
             <a:fld id="{AD6F7527-E702-724D-AC35-4C3062392F64}" type="datetimeFigureOut">
               <a:rPr kumimoji="1" lang="ja-JP" altLang="en-US" smtClean="0"/>
-              <a:t>2022/1/13</a:t>
+              <a:t>2022/1/16</a:t>
             </a:fld>
             <a:endParaRPr kumimoji="1" lang="ja-JP" altLang="en-US"/>
           </a:p>
@@ -2908,7 +2936,7 @@
           <a:p>
             <a:fld id="{AD6F7527-E702-724D-AC35-4C3062392F64}" type="datetimeFigureOut">
               <a:rPr kumimoji="1" lang="ja-JP" altLang="en-US" smtClean="0"/>
-              <a:t>2022/1/13</a:t>
+              <a:t>2022/1/16</a:t>
             </a:fld>
             <a:endParaRPr kumimoji="1" lang="ja-JP" altLang="en-US"/>
           </a:p>
@@ -3156,7 +3184,7 @@
           <a:p>
             <a:fld id="{AD6F7527-E702-724D-AC35-4C3062392F64}" type="datetimeFigureOut">
               <a:rPr kumimoji="1" lang="ja-JP" altLang="en-US" smtClean="0"/>
-              <a:t>2022/1/13</a:t>
+              <a:t>2022/1/16</a:t>
             </a:fld>
             <a:endParaRPr kumimoji="1" lang="ja-JP" altLang="en-US"/>
           </a:p>
@@ -3642,99 +3670,6 @@
 </p:sld>
 </file>
 
-<file path=ppt/slides/slide10.xml><?xml version="1.0" encoding="utf-8"?>
-<p:sld xmlns:a="http://schemas.openxmlformats.org/drawingml/2006/main" xmlns:r="http://schemas.openxmlformats.org/officeDocument/2006/relationships" xmlns:p="http://schemas.openxmlformats.org/presentationml/2006/main">
-  <p:cSld>
-    <p:spTree>
-      <p:nvGrpSpPr>
-        <p:cNvPr id="1" name=""/>
-        <p:cNvGrpSpPr/>
-        <p:nvPr/>
-      </p:nvGrpSpPr>
-      <p:grpSpPr>
-        <a:xfrm>
-          <a:off x="0" y="0"/>
-          <a:ext cx="0" cy="0"/>
-          <a:chOff x="0" y="0"/>
-          <a:chExt cx="0" cy="0"/>
-        </a:xfrm>
-      </p:grpSpPr>
-      <p:sp>
-        <p:nvSpPr>
-          <p:cNvPr id="2" name="テキスト ボックス 1">
-            <a:extLst>
-              <a:ext uri="{FF2B5EF4-FFF2-40B4-BE49-F238E27FC236}">
-                <a16:creationId xmlns:a16="http://schemas.microsoft.com/office/drawing/2014/main" id="{25759522-FAAF-5C40-B1D3-064AD0149E8E}"/>
-              </a:ext>
-            </a:extLst>
-          </p:cNvPr>
-          <p:cNvSpPr txBox="1"/>
-          <p:nvPr/>
-        </p:nvSpPr>
-        <p:spPr>
-          <a:xfrm>
-            <a:off x="847023" y="567891"/>
-            <a:ext cx="4957011" cy="1754326"/>
-          </a:xfrm>
-          <a:prstGeom prst="rect">
-            <a:avLst/>
-          </a:prstGeom>
-          <a:noFill/>
-        </p:spPr>
-        <p:txBody>
-          <a:bodyPr wrap="square" rtlCol="0">
-            <a:spAutoFit/>
-          </a:bodyPr>
-          <a:lstStyle/>
-          <a:p>
-            <a:r>
-              <a:rPr kumimoji="1" lang="en-US" altLang="ja-JP" dirty="0"/>
-              <a:t>cd ()/SS3</a:t>
-            </a:r>
-          </a:p>
-          <a:p>
-            <a:r>
-              <a:rPr kumimoji="1" lang="en-US" altLang="ja-JP" dirty="0"/>
-              <a:t>git add .</a:t>
-            </a:r>
-          </a:p>
-          <a:p>
-            <a:r>
-              <a:rPr kumimoji="1" lang="en-US" altLang="ja-JP" dirty="0"/>
-              <a:t>git commit –m “~”</a:t>
-            </a:r>
-          </a:p>
-          <a:p>
-            <a:r>
-              <a:rPr lang="en-US" altLang="ja-JP" dirty="0"/>
-              <a:t>git push origin main</a:t>
-            </a:r>
-          </a:p>
-          <a:p>
-            <a:endParaRPr kumimoji="1" lang="en-US" altLang="ja-JP" dirty="0"/>
-          </a:p>
-          <a:p>
-            <a:r>
-              <a:rPr lang="en-US" altLang="ja-JP"/>
-              <a:t>git pull</a:t>
-            </a:r>
-            <a:endParaRPr kumimoji="1" lang="ja-JP" altLang="en-US"/>
-          </a:p>
-        </p:txBody>
-      </p:sp>
-    </p:spTree>
-    <p:extLst>
-      <p:ext uri="{BB962C8B-B14F-4D97-AF65-F5344CB8AC3E}">
-        <p14:creationId xmlns:p14="http://schemas.microsoft.com/office/powerpoint/2010/main" val="1142474713"/>
-      </p:ext>
-    </p:extLst>
-  </p:cSld>
-  <p:clrMapOvr>
-    <a:masterClrMapping/>
-  </p:clrMapOvr>
-</p:sld>
-</file>
-
 <file path=ppt/slides/slide2.xml><?xml version="1.0" encoding="utf-8"?>
 <p:sld xmlns:a="http://schemas.openxmlformats.org/drawingml/2006/main" xmlns:r="http://schemas.openxmlformats.org/officeDocument/2006/relationships" xmlns:p="http://schemas.openxmlformats.org/presentationml/2006/main">
   <p:cSld>
